--- a/rapport/images/program_flowchart.pptx
+++ b/rapport/images/program_flowchart.pptx
@@ -288,7 +288,7 @@
           <a:p>
             <a:fld id="{443D51E4-B464-4506-B526-9DD6D015C86F}" type="datetimeFigureOut">
               <a:rPr lang="da-DK" smtClean="0"/>
-              <a:t>09-05-2011</a:t>
+              <a:t>12-05-2011</a:t>
             </a:fld>
             <a:endParaRPr lang="da-DK"/>
           </a:p>
@@ -458,7 +458,7 @@
           <a:p>
             <a:fld id="{443D51E4-B464-4506-B526-9DD6D015C86F}" type="datetimeFigureOut">
               <a:rPr lang="da-DK" smtClean="0"/>
-              <a:t>09-05-2011</a:t>
+              <a:t>12-05-2011</a:t>
             </a:fld>
             <a:endParaRPr lang="da-DK"/>
           </a:p>
@@ -638,7 +638,7 @@
           <a:p>
             <a:fld id="{443D51E4-B464-4506-B526-9DD6D015C86F}" type="datetimeFigureOut">
               <a:rPr lang="da-DK" smtClean="0"/>
-              <a:t>09-05-2011</a:t>
+              <a:t>12-05-2011</a:t>
             </a:fld>
             <a:endParaRPr lang="da-DK"/>
           </a:p>
@@ -808,7 +808,7 @@
           <a:p>
             <a:fld id="{443D51E4-B464-4506-B526-9DD6D015C86F}" type="datetimeFigureOut">
               <a:rPr lang="da-DK" smtClean="0"/>
-              <a:t>09-05-2011</a:t>
+              <a:t>12-05-2011</a:t>
             </a:fld>
             <a:endParaRPr lang="da-DK"/>
           </a:p>
@@ -1054,7 +1054,7 @@
           <a:p>
             <a:fld id="{443D51E4-B464-4506-B526-9DD6D015C86F}" type="datetimeFigureOut">
               <a:rPr lang="da-DK" smtClean="0"/>
-              <a:t>09-05-2011</a:t>
+              <a:t>12-05-2011</a:t>
             </a:fld>
             <a:endParaRPr lang="da-DK"/>
           </a:p>
@@ -1342,7 +1342,7 @@
           <a:p>
             <a:fld id="{443D51E4-B464-4506-B526-9DD6D015C86F}" type="datetimeFigureOut">
               <a:rPr lang="da-DK" smtClean="0"/>
-              <a:t>09-05-2011</a:t>
+              <a:t>12-05-2011</a:t>
             </a:fld>
             <a:endParaRPr lang="da-DK"/>
           </a:p>
@@ -1764,7 +1764,7 @@
           <a:p>
             <a:fld id="{443D51E4-B464-4506-B526-9DD6D015C86F}" type="datetimeFigureOut">
               <a:rPr lang="da-DK" smtClean="0"/>
-              <a:t>09-05-2011</a:t>
+              <a:t>12-05-2011</a:t>
             </a:fld>
             <a:endParaRPr lang="da-DK"/>
           </a:p>
@@ -1882,7 +1882,7 @@
           <a:p>
             <a:fld id="{443D51E4-B464-4506-B526-9DD6D015C86F}" type="datetimeFigureOut">
               <a:rPr lang="da-DK" smtClean="0"/>
-              <a:t>09-05-2011</a:t>
+              <a:t>12-05-2011</a:t>
             </a:fld>
             <a:endParaRPr lang="da-DK"/>
           </a:p>
@@ -1977,7 +1977,7 @@
           <a:p>
             <a:fld id="{443D51E4-B464-4506-B526-9DD6D015C86F}" type="datetimeFigureOut">
               <a:rPr lang="da-DK" smtClean="0"/>
-              <a:t>09-05-2011</a:t>
+              <a:t>12-05-2011</a:t>
             </a:fld>
             <a:endParaRPr lang="da-DK"/>
           </a:p>
@@ -2254,7 +2254,7 @@
           <a:p>
             <a:fld id="{443D51E4-B464-4506-B526-9DD6D015C86F}" type="datetimeFigureOut">
               <a:rPr lang="da-DK" smtClean="0"/>
-              <a:t>09-05-2011</a:t>
+              <a:t>12-05-2011</a:t>
             </a:fld>
             <a:endParaRPr lang="da-DK"/>
           </a:p>
@@ -2507,7 +2507,7 @@
           <a:p>
             <a:fld id="{443D51E4-B464-4506-B526-9DD6D015C86F}" type="datetimeFigureOut">
               <a:rPr lang="da-DK" smtClean="0"/>
-              <a:t>09-05-2011</a:t>
+              <a:t>12-05-2011</a:t>
             </a:fld>
             <a:endParaRPr lang="da-DK"/>
           </a:p>
@@ -2720,7 +2720,7 @@
           <a:p>
             <a:fld id="{443D51E4-B464-4506-B526-9DD6D015C86F}" type="datetimeFigureOut">
               <a:rPr lang="da-DK" smtClean="0"/>
-              <a:t>09-05-2011</a:t>
+              <a:t>12-05-2011</a:t>
             </a:fld>
             <a:endParaRPr lang="da-DK"/>
           </a:p>
@@ -3097,36 +3097,31 @@
       </p:grpSpPr>
       <p:sp>
         <p:nvSpPr>
-          <p:cNvPr id="4" name="Flowchart: Alternate Process 3"/>
+          <p:cNvPr id="21" name="Flowchart: Process 20"/>
           <p:cNvSpPr/>
           <p:nvPr/>
         </p:nvSpPr>
         <p:spPr>
           <a:xfrm>
-            <a:off x="2339752" y="836712"/>
-            <a:ext cx="1224136" cy="504056"/>
-          </a:xfrm>
-          <a:prstGeom prst="flowChartAlternateProcess">
+            <a:off x="4324326" y="2636912"/>
+            <a:ext cx="1287436" cy="570565"/>
+          </a:xfrm>
+          <a:prstGeom prst="flowChartProcess">
             <a:avLst/>
           </a:prstGeom>
-          <a:solidFill>
-            <a:schemeClr val="bg1"/>
-          </a:solidFill>
         </p:spPr>
         <p:style>
           <a:lnRef idx="2">
-            <a:schemeClr val="accent1">
-              <a:shade val="50000"/>
-            </a:schemeClr>
+            <a:schemeClr val="accent1"/>
           </a:lnRef>
           <a:fillRef idx="1">
-            <a:schemeClr val="accent1"/>
+            <a:schemeClr val="lt1"/>
           </a:fillRef>
           <a:effectRef idx="0">
             <a:schemeClr val="accent1"/>
           </a:effectRef>
           <a:fontRef idx="minor">
-            <a:schemeClr val="lt1"/>
+            <a:schemeClr val="dk1"/>
           </a:fontRef>
         </p:style>
         <p:txBody>
@@ -3135,53 +3130,40 @@
           <a:p>
             <a:pPr algn="ctr"/>
             <a:r>
-              <a:rPr lang="da-DK" sz="1100" dirty="0" smtClean="0">
-                <a:solidFill>
-                  <a:schemeClr val="tx1"/>
-                </a:solidFill>
-              </a:rPr>
-              <a:t>Game start</a:t>
-            </a:r>
-            <a:endParaRPr lang="da-DK" sz="1100" dirty="0">
-              <a:solidFill>
-                <a:schemeClr val="tx1"/>
-              </a:solidFill>
-            </a:endParaRPr>
-          </a:p>
-        </p:txBody>
-      </p:sp>
-      <p:sp>
-        <p:nvSpPr>
-          <p:cNvPr id="5" name="Flowchart: Alternate Process 4"/>
+              <a:rPr lang="da-DK" sz="1200" dirty="0" smtClean="0"/>
+              <a:t>Save positions and balls in new state.</a:t>
+            </a:r>
+            <a:endParaRPr lang="da-DK" sz="1200" dirty="0"/>
+          </a:p>
+        </p:txBody>
+      </p:sp>
+      <p:sp>
+        <p:nvSpPr>
+          <p:cNvPr id="6" name="Flowchart: Decision 5"/>
           <p:cNvSpPr/>
           <p:nvPr/>
         </p:nvSpPr>
         <p:spPr>
           <a:xfrm>
-            <a:off x="2339752" y="1844824"/>
-            <a:ext cx="1224136" cy="504056"/>
-          </a:xfrm>
-          <a:prstGeom prst="flowChartAlternateProcess">
+            <a:off x="303084" y="1528319"/>
+            <a:ext cx="1892652" cy="822835"/>
+          </a:xfrm>
+          <a:prstGeom prst="flowChartDecision">
             <a:avLst/>
           </a:prstGeom>
-          <a:solidFill>
-            <a:schemeClr val="bg1"/>
-          </a:solidFill>
         </p:spPr>
         <p:style>
           <a:lnRef idx="2">
-            <a:schemeClr val="accent1">
-              <a:shade val="50000"/>
-            </a:schemeClr>
+            <a:schemeClr val="accent1"/>
           </a:lnRef>
           <a:fillRef idx="1">
-            <a:schemeClr val="accent1"/>
+            <a:schemeClr val="lt1"/>
           </a:fillRef>
           <a:effectRef idx="0">
             <a:schemeClr val="accent1"/>
           </a:effectRef>
           <a:fontRef idx="minor">
-            <a:schemeClr val="lt1"/>
+            <a:schemeClr val="dk1"/>
           </a:fontRef>
         </p:style>
         <p:txBody>
@@ -3190,53 +3172,40 @@
           <a:p>
             <a:pPr algn="ctr"/>
             <a:r>
-              <a:rPr lang="da-DK" sz="1100" dirty="0" smtClean="0">
-                <a:solidFill>
-                  <a:schemeClr val="tx1"/>
-                </a:solidFill>
-              </a:rPr>
-              <a:t>Occlusion detected?</a:t>
-            </a:r>
-            <a:endParaRPr lang="da-DK" sz="1100" dirty="0">
-              <a:solidFill>
-                <a:schemeClr val="tx1"/>
-              </a:solidFill>
-            </a:endParaRPr>
-          </a:p>
-        </p:txBody>
-      </p:sp>
-      <p:sp>
-        <p:nvSpPr>
-          <p:cNvPr id="10" name="Flowchart: Alternate Process 9"/>
+              <a:rPr lang="da-DK" sz="1200" dirty="0" smtClean="0"/>
+              <a:t>Human interaction?</a:t>
+            </a:r>
+            <a:endParaRPr lang="da-DK" sz="1200" dirty="0"/>
+          </a:p>
+        </p:txBody>
+      </p:sp>
+      <p:sp>
+        <p:nvSpPr>
+          <p:cNvPr id="27" name="Flowchart: Process 26"/>
           <p:cNvSpPr/>
           <p:nvPr/>
         </p:nvSpPr>
         <p:spPr>
           <a:xfrm>
-            <a:off x="3923928" y="1844824"/>
-            <a:ext cx="1224136" cy="504056"/>
-          </a:xfrm>
-          <a:prstGeom prst="flowChartAlternateProcess">
+            <a:off x="2483768" y="1654452"/>
+            <a:ext cx="1287436" cy="570565"/>
+          </a:xfrm>
+          <a:prstGeom prst="flowChartProcess">
             <a:avLst/>
           </a:prstGeom>
-          <a:solidFill>
-            <a:schemeClr val="bg1"/>
-          </a:solidFill>
         </p:spPr>
         <p:style>
           <a:lnRef idx="2">
-            <a:schemeClr val="accent1">
-              <a:shade val="50000"/>
-            </a:schemeClr>
+            <a:schemeClr val="accent1"/>
           </a:lnRef>
           <a:fillRef idx="1">
-            <a:schemeClr val="accent1"/>
+            <a:schemeClr val="lt1"/>
           </a:fillRef>
           <a:effectRef idx="0">
             <a:schemeClr val="accent1"/>
           </a:effectRef>
           <a:fontRef idx="minor">
-            <a:schemeClr val="lt1"/>
+            <a:schemeClr val="dk1"/>
           </a:fontRef>
         </p:style>
         <p:txBody>
@@ -3245,125 +3214,67 @@
           <a:p>
             <a:pPr algn="ctr"/>
             <a:r>
-              <a:rPr lang="da-DK" sz="1100" dirty="0" smtClean="0">
-                <a:solidFill>
-                  <a:schemeClr val="tx1"/>
-                </a:solidFill>
-              </a:rPr>
-              <a:t>Ball movement?</a:t>
-            </a:r>
-            <a:endParaRPr lang="da-DK" sz="1100" dirty="0">
-              <a:solidFill>
-                <a:schemeClr val="tx1"/>
-              </a:solidFill>
-            </a:endParaRPr>
-          </a:p>
-        </p:txBody>
-      </p:sp>
-      <p:cxnSp>
-        <p:nvCxnSpPr>
-          <p:cNvPr id="12" name="Straight Arrow Connector 11"/>
-          <p:cNvCxnSpPr>
-            <a:stCxn id="5" idx="3"/>
-            <a:endCxn id="10" idx="1"/>
-          </p:cNvCxnSpPr>
+              <a:rPr lang="da-DK" sz="1200" dirty="0" smtClean="0"/>
+              <a:t>Dectect and identify balls</a:t>
+            </a:r>
+            <a:endParaRPr lang="da-DK" sz="1200" dirty="0"/>
+          </a:p>
+        </p:txBody>
+      </p:sp>
+      <p:sp>
+        <p:nvSpPr>
+          <p:cNvPr id="28" name="Flowchart: Decision 27"/>
+          <p:cNvSpPr/>
           <p:nvPr/>
-        </p:nvCxnSpPr>
+        </p:nvSpPr>
         <p:spPr>
           <a:xfrm>
-            <a:off x="3563888" y="2096852"/>
-            <a:ext cx="360040" cy="0"/>
-          </a:xfrm>
-          <a:prstGeom prst="straightConnector1">
+            <a:off x="4067945" y="1528316"/>
+            <a:ext cx="1800199" cy="822835"/>
+          </a:xfrm>
+          <a:prstGeom prst="flowChartDecision">
             <a:avLst/>
           </a:prstGeom>
-          <a:ln>
-            <a:tailEnd type="arrow"/>
-          </a:ln>
         </p:spPr>
         <p:style>
-          <a:lnRef idx="1">
+          <a:lnRef idx="2">
             <a:schemeClr val="accent1"/>
           </a:lnRef>
-          <a:fillRef idx="0">
-            <a:schemeClr val="accent1"/>
+          <a:fillRef idx="1">
+            <a:schemeClr val="lt1"/>
           </a:fillRef>
           <a:effectRef idx="0">
             <a:schemeClr val="accent1"/>
           </a:effectRef>
           <a:fontRef idx="minor">
-            <a:schemeClr val="tx1"/>
+            <a:schemeClr val="dk1"/>
           </a:fontRef>
         </p:style>
-      </p:cxnSp>
-      <p:sp>
-        <p:nvSpPr>
-          <p:cNvPr id="13" name="Flowchart: Alternate Process 12"/>
-          <p:cNvSpPr/>
-          <p:nvPr/>
-        </p:nvSpPr>
-        <p:spPr>
-          <a:xfrm>
-            <a:off x="5526694" y="1844824"/>
-            <a:ext cx="1224136" cy="504056"/>
-          </a:xfrm>
-          <a:prstGeom prst="flowChartAlternateProcess">
-            <a:avLst/>
-          </a:prstGeom>
-          <a:solidFill>
-            <a:schemeClr val="bg1"/>
-          </a:solidFill>
-        </p:spPr>
-        <p:style>
-          <a:lnRef idx="2">
-            <a:schemeClr val="accent1">
-              <a:shade val="50000"/>
-            </a:schemeClr>
-          </a:lnRef>
-          <a:fillRef idx="1">
-            <a:schemeClr val="accent1"/>
-          </a:fillRef>
-          <a:effectRef idx="0">
-            <a:schemeClr val="accent1"/>
-          </a:effectRef>
-          <a:fontRef idx="minor">
-            <a:schemeClr val="lt1"/>
-          </a:fontRef>
-        </p:style>
         <p:txBody>
           <a:bodyPr rtlCol="0" anchor="ctr"/>
           <a:lstStyle/>
           <a:p>
             <a:pPr algn="ctr"/>
             <a:r>
-              <a:rPr lang="da-DK" sz="1100" dirty="0" smtClean="0">
-                <a:solidFill>
-                  <a:schemeClr val="tx1"/>
-                </a:solidFill>
-              </a:rPr>
-              <a:t>Save positions</a:t>
-            </a:r>
-            <a:endParaRPr lang="da-DK" sz="1100" dirty="0">
-              <a:solidFill>
-                <a:schemeClr val="tx1"/>
-              </a:solidFill>
-            </a:endParaRPr>
+              <a:rPr lang="da-DK" sz="1200" dirty="0" smtClean="0"/>
+              <a:t>Game state changed?</a:t>
+            </a:r>
+            <a:endParaRPr lang="da-DK" sz="1200" dirty="0"/>
           </a:p>
         </p:txBody>
       </p:sp>
       <p:cxnSp>
         <p:nvCxnSpPr>
-          <p:cNvPr id="20" name="Straight Arrow Connector 19"/>
+          <p:cNvPr id="11" name="Straight Arrow Connector 10"/>
           <p:cNvCxnSpPr>
-            <a:stCxn id="10" idx="3"/>
-            <a:endCxn id="13" idx="1"/>
+            <a:endCxn id="6" idx="0"/>
           </p:cNvCxnSpPr>
           <p:nvPr/>
         </p:nvCxnSpPr>
         <p:spPr>
           <a:xfrm>
-            <a:off x="5148064" y="2096852"/>
-            <a:ext cx="378630" cy="0"/>
+            <a:off x="1249410" y="1119245"/>
+            <a:ext cx="0" cy="409074"/>
           </a:xfrm>
           <a:prstGeom prst="straightConnector1">
             <a:avLst/>
@@ -3389,19 +3300,19 @@
       </p:cxnSp>
       <p:cxnSp>
         <p:nvCxnSpPr>
-          <p:cNvPr id="24" name="Straight Arrow Connector 23"/>
+          <p:cNvPr id="15" name="Elbow Connector 14"/>
           <p:cNvCxnSpPr>
-            <a:stCxn id="4" idx="2"/>
-            <a:endCxn id="5" idx="0"/>
+            <a:stCxn id="6" idx="3"/>
+            <a:endCxn id="27" idx="1"/>
           </p:cNvCxnSpPr>
           <p:nvPr/>
         </p:nvCxnSpPr>
         <p:spPr>
-          <a:xfrm>
-            <a:off x="2951820" y="1340768"/>
-            <a:ext cx="0" cy="504056"/>
-          </a:xfrm>
-          <a:prstGeom prst="straightConnector1">
+          <a:xfrm flipV="1">
+            <a:off x="2195736" y="1939735"/>
+            <a:ext cx="288032" cy="2"/>
+          </a:xfrm>
+          <a:prstGeom prst="bentConnector3">
             <a:avLst/>
           </a:prstGeom>
           <a:ln>
@@ -3423,137 +3334,25 @@
           </a:fontRef>
         </p:style>
       </p:cxnSp>
-      <p:sp>
-        <p:nvSpPr>
-          <p:cNvPr id="25" name="TextBox 24"/>
-          <p:cNvSpPr txBox="1"/>
-          <p:nvPr/>
-        </p:nvSpPr>
-        <p:spPr>
-          <a:xfrm>
-            <a:off x="3521560" y="1844805"/>
-            <a:ext cx="378630" cy="261610"/>
-          </a:xfrm>
-          <a:prstGeom prst="rect">
-            <a:avLst/>
-          </a:prstGeom>
-          <a:noFill/>
-        </p:spPr>
-        <p:txBody>
-          <a:bodyPr wrap="none" rtlCol="0">
-            <a:spAutoFit/>
-          </a:bodyPr>
-          <a:lstStyle/>
-          <a:p>
-            <a:r>
-              <a:rPr lang="da-DK" sz="1100" dirty="0" smtClean="0"/>
-              <a:t>Yes</a:t>
-            </a:r>
-            <a:endParaRPr lang="da-DK" sz="1100" dirty="0"/>
-          </a:p>
-        </p:txBody>
-      </p:sp>
-      <p:sp>
-        <p:nvSpPr>
-          <p:cNvPr id="33" name="TextBox 32"/>
-          <p:cNvSpPr txBox="1"/>
-          <p:nvPr/>
-        </p:nvSpPr>
-        <p:spPr>
-          <a:xfrm>
-            <a:off x="5119693" y="1844824"/>
-            <a:ext cx="378630" cy="261610"/>
-          </a:xfrm>
-          <a:prstGeom prst="rect">
-            <a:avLst/>
-          </a:prstGeom>
-          <a:noFill/>
-        </p:spPr>
-        <p:txBody>
-          <a:bodyPr wrap="none" rtlCol="0">
-            <a:spAutoFit/>
-          </a:bodyPr>
-          <a:lstStyle/>
-          <a:p>
-            <a:r>
-              <a:rPr lang="da-DK" sz="1100" dirty="0" smtClean="0"/>
-              <a:t>Yes</a:t>
-            </a:r>
-            <a:endParaRPr lang="da-DK" sz="1100" dirty="0"/>
-          </a:p>
-        </p:txBody>
-      </p:sp>
-      <p:sp>
-        <p:nvSpPr>
-          <p:cNvPr id="37" name="Flowchart: Alternate Process 36"/>
-          <p:cNvSpPr/>
-          <p:nvPr/>
-        </p:nvSpPr>
-        <p:spPr>
-          <a:xfrm>
-            <a:off x="5526694" y="2517428"/>
-            <a:ext cx="1224136" cy="504056"/>
-          </a:xfrm>
-          <a:prstGeom prst="flowChartAlternateProcess">
-            <a:avLst/>
-          </a:prstGeom>
-          <a:solidFill>
-            <a:schemeClr val="bg1"/>
-          </a:solidFill>
-        </p:spPr>
-        <p:style>
-          <a:lnRef idx="2">
-            <a:schemeClr val="accent1">
-              <a:shade val="50000"/>
-            </a:schemeClr>
-          </a:lnRef>
-          <a:fillRef idx="1">
-            <a:schemeClr val="accent1"/>
-          </a:fillRef>
-          <a:effectRef idx="0">
-            <a:schemeClr val="accent1"/>
-          </a:effectRef>
-          <a:fontRef idx="minor">
-            <a:schemeClr val="lt1"/>
-          </a:fontRef>
-        </p:style>
-        <p:txBody>
-          <a:bodyPr rtlCol="0" anchor="ctr"/>
-          <a:lstStyle/>
-          <a:p>
-            <a:pPr algn="ctr"/>
-            <a:r>
-              <a:rPr lang="da-DK" sz="1100" dirty="0" smtClean="0">
-                <a:solidFill>
-                  <a:schemeClr val="tx1"/>
-                </a:solidFill>
-              </a:rPr>
-              <a:t>Game finished?</a:t>
-            </a:r>
-            <a:endParaRPr lang="da-DK" sz="1100" dirty="0">
-              <a:solidFill>
-                <a:schemeClr val="tx1"/>
-              </a:solidFill>
-            </a:endParaRPr>
-          </a:p>
-        </p:txBody>
-      </p:sp>
       <p:cxnSp>
         <p:nvCxnSpPr>
-          <p:cNvPr id="39" name="Straight Arrow Connector 38"/>
+          <p:cNvPr id="19" name="Elbow Connector 18"/>
           <p:cNvCxnSpPr>
-            <a:stCxn id="13" idx="2"/>
-            <a:endCxn id="37" idx="0"/>
+            <a:stCxn id="6" idx="2"/>
+            <a:endCxn id="6" idx="1"/>
           </p:cNvCxnSpPr>
           <p:nvPr/>
         </p:nvCxnSpPr>
         <p:spPr>
-          <a:xfrm>
-            <a:off x="6138762" y="2348880"/>
-            <a:ext cx="0" cy="168548"/>
-          </a:xfrm>
-          <a:prstGeom prst="straightConnector1">
-            <a:avLst/>
+          <a:xfrm rot="5400000" flipH="1">
+            <a:off x="570538" y="1672283"/>
+            <a:ext cx="411417" cy="946326"/>
+          </a:xfrm>
+          <a:prstGeom prst="bentConnector4">
+            <a:avLst>
+              <a:gd name="adj1" fmla="val -55564"/>
+              <a:gd name="adj2" fmla="val 124157"/>
+            </a:avLst>
           </a:prstGeom>
           <a:ln>
             <a:tailEnd type="arrow"/>
@@ -3574,76 +3373,21 @@
           </a:fontRef>
         </p:style>
       </p:cxnSp>
-      <p:sp>
-        <p:nvSpPr>
-          <p:cNvPr id="41" name="Flowchart: Alternate Process 40"/>
-          <p:cNvSpPr/>
-          <p:nvPr/>
-        </p:nvSpPr>
-        <p:spPr>
-          <a:xfrm>
-            <a:off x="5526694" y="3284984"/>
-            <a:ext cx="1224136" cy="504056"/>
-          </a:xfrm>
-          <a:prstGeom prst="flowChartAlternateProcess">
-            <a:avLst/>
-          </a:prstGeom>
-          <a:solidFill>
-            <a:schemeClr val="bg1"/>
-          </a:solidFill>
-        </p:spPr>
-        <p:style>
-          <a:lnRef idx="2">
-            <a:schemeClr val="accent1">
-              <a:shade val="50000"/>
-            </a:schemeClr>
-          </a:lnRef>
-          <a:fillRef idx="1">
-            <a:schemeClr val="accent1"/>
-          </a:fillRef>
-          <a:effectRef idx="0">
-            <a:schemeClr val="accent1"/>
-          </a:effectRef>
-          <a:fontRef idx="minor">
-            <a:schemeClr val="lt1"/>
-          </a:fontRef>
-        </p:style>
-        <p:txBody>
-          <a:bodyPr rtlCol="0" anchor="ctr"/>
-          <a:lstStyle/>
-          <a:p>
-            <a:pPr algn="ctr"/>
-            <a:r>
-              <a:rPr lang="da-DK" sz="1100" dirty="0" smtClean="0">
-                <a:solidFill>
-                  <a:schemeClr val="tx1"/>
-                </a:solidFill>
-              </a:rPr>
-              <a:t>End</a:t>
-            </a:r>
-            <a:endParaRPr lang="da-DK" sz="1100" dirty="0">
-              <a:solidFill>
-                <a:schemeClr val="tx1"/>
-              </a:solidFill>
-            </a:endParaRPr>
-          </a:p>
-        </p:txBody>
-      </p:sp>
       <p:cxnSp>
         <p:nvCxnSpPr>
-          <p:cNvPr id="43" name="Elbow Connector 42"/>
+          <p:cNvPr id="50" name="Straight Arrow Connector 49"/>
           <p:cNvCxnSpPr>
-            <a:stCxn id="37" idx="1"/>
-            <a:endCxn id="5" idx="2"/>
+            <a:stCxn id="27" idx="3"/>
+            <a:endCxn id="28" idx="1"/>
           </p:cNvCxnSpPr>
           <p:nvPr/>
         </p:nvCxnSpPr>
         <p:spPr>
-          <a:xfrm rot="10800000">
-            <a:off x="2951820" y="2348880"/>
-            <a:ext cx="2574874" cy="420576"/>
-          </a:xfrm>
-          <a:prstGeom prst="bentConnector2">
+          <a:xfrm flipV="1">
+            <a:off x="3771204" y="1939734"/>
+            <a:ext cx="296741" cy="1"/>
+          </a:xfrm>
+          <a:prstGeom prst="straightConnector1">
             <a:avLst/>
           </a:prstGeom>
           <a:ln>
@@ -3665,51 +3409,20 @@
           </a:fontRef>
         </p:style>
       </p:cxnSp>
-      <p:sp>
-        <p:nvSpPr>
-          <p:cNvPr id="44" name="TextBox 43"/>
-          <p:cNvSpPr txBox="1"/>
-          <p:nvPr/>
-        </p:nvSpPr>
-        <p:spPr>
-          <a:xfrm>
-            <a:off x="6138762" y="3021484"/>
-            <a:ext cx="378630" cy="261610"/>
-          </a:xfrm>
-          <a:prstGeom prst="rect">
-            <a:avLst/>
-          </a:prstGeom>
-          <a:noFill/>
-        </p:spPr>
-        <p:txBody>
-          <a:bodyPr wrap="none" rtlCol="0">
-            <a:spAutoFit/>
-          </a:bodyPr>
-          <a:lstStyle/>
-          <a:p>
-            <a:r>
-              <a:rPr lang="da-DK" sz="1100" dirty="0" smtClean="0"/>
-              <a:t>Yes</a:t>
-            </a:r>
-            <a:endParaRPr lang="da-DK" sz="1100" dirty="0"/>
-          </a:p>
-        </p:txBody>
-      </p:sp>
       <p:cxnSp>
         <p:nvCxnSpPr>
-          <p:cNvPr id="46" name="Straight Arrow Connector 45"/>
+          <p:cNvPr id="52" name="Elbow Connector 51"/>
           <p:cNvCxnSpPr>
-            <a:stCxn id="37" idx="2"/>
-            <a:endCxn id="41" idx="0"/>
+            <a:stCxn id="28" idx="0"/>
           </p:cNvCxnSpPr>
           <p:nvPr/>
         </p:nvCxnSpPr>
         <p:spPr>
-          <a:xfrm>
-            <a:off x="6138762" y="3021484"/>
-            <a:ext cx="0" cy="263500"/>
-          </a:xfrm>
-          <a:prstGeom prst="straightConnector1">
+          <a:xfrm rot="16200000" flipV="1">
+            <a:off x="3006461" y="-433268"/>
+            <a:ext cx="204534" cy="3718634"/>
+          </a:xfrm>
+          <a:prstGeom prst="bentConnector2">
             <a:avLst/>
           </a:prstGeom>
           <a:ln>
@@ -3731,16 +3444,203 @@
           </a:fontRef>
         </p:style>
       </p:cxnSp>
-      <p:sp>
-        <p:nvSpPr>
-          <p:cNvPr id="49" name="TextBox 48"/>
+      <p:cxnSp>
+        <p:nvCxnSpPr>
+          <p:cNvPr id="54" name="Straight Arrow Connector 53"/>
+          <p:cNvCxnSpPr>
+            <a:stCxn id="28" idx="2"/>
+            <a:endCxn id="21" idx="0"/>
+          </p:cNvCxnSpPr>
+          <p:nvPr/>
+        </p:nvCxnSpPr>
+        <p:spPr>
+          <a:xfrm flipH="1">
+            <a:off x="4968044" y="2351151"/>
+            <a:ext cx="1" cy="285761"/>
+          </a:xfrm>
+          <a:prstGeom prst="straightConnector1">
+            <a:avLst/>
+          </a:prstGeom>
+          <a:ln>
+            <a:tailEnd type="arrow"/>
+          </a:ln>
+        </p:spPr>
+        <p:style>
+          <a:lnRef idx="1">
+            <a:schemeClr val="accent1"/>
+          </a:lnRef>
+          <a:fillRef idx="0">
+            <a:schemeClr val="accent1"/>
+          </a:fillRef>
+          <a:effectRef idx="0">
+            <a:schemeClr val="accent1"/>
+          </a:effectRef>
+          <a:fontRef idx="minor">
+            <a:schemeClr val="tx1"/>
+          </a:fontRef>
+        </p:style>
+      </p:cxnSp>
+      <p:sp>
+        <p:nvSpPr>
+          <p:cNvPr id="68" name="Flowchart: Decision 67"/>
+          <p:cNvSpPr/>
+          <p:nvPr/>
+        </p:nvSpPr>
+        <p:spPr>
+          <a:xfrm>
+            <a:off x="4067945" y="3501008"/>
+            <a:ext cx="1800199" cy="822835"/>
+          </a:xfrm>
+          <a:prstGeom prst="flowChartDecision">
+            <a:avLst/>
+          </a:prstGeom>
+        </p:spPr>
+        <p:style>
+          <a:lnRef idx="2">
+            <a:schemeClr val="accent1"/>
+          </a:lnRef>
+          <a:fillRef idx="1">
+            <a:schemeClr val="lt1"/>
+          </a:fillRef>
+          <a:effectRef idx="0">
+            <a:schemeClr val="accent1"/>
+          </a:effectRef>
+          <a:fontRef idx="minor">
+            <a:schemeClr val="dk1"/>
+          </a:fontRef>
+        </p:style>
+        <p:txBody>
+          <a:bodyPr rtlCol="0" anchor="ctr"/>
+          <a:lstStyle/>
+          <a:p>
+            <a:pPr algn="ctr"/>
+            <a:r>
+              <a:rPr lang="da-DK" sz="1200" dirty="0" smtClean="0"/>
+              <a:t>Game finished?</a:t>
+            </a:r>
+            <a:endParaRPr lang="da-DK" sz="1200" dirty="0"/>
+          </a:p>
+        </p:txBody>
+      </p:sp>
+      <p:cxnSp>
+        <p:nvCxnSpPr>
+          <p:cNvPr id="79" name="Straight Arrow Connector 78"/>
+          <p:cNvCxnSpPr>
+            <a:stCxn id="21" idx="2"/>
+            <a:endCxn id="68" idx="0"/>
+          </p:cNvCxnSpPr>
+          <p:nvPr/>
+        </p:nvCxnSpPr>
+        <p:spPr>
+          <a:xfrm>
+            <a:off x="4968044" y="3207477"/>
+            <a:ext cx="1" cy="293531"/>
+          </a:xfrm>
+          <a:prstGeom prst="straightConnector1">
+            <a:avLst/>
+          </a:prstGeom>
+          <a:ln>
+            <a:tailEnd type="arrow"/>
+          </a:ln>
+        </p:spPr>
+        <p:style>
+          <a:lnRef idx="1">
+            <a:schemeClr val="accent1"/>
+          </a:lnRef>
+          <a:fillRef idx="0">
+            <a:schemeClr val="accent1"/>
+          </a:fillRef>
+          <a:effectRef idx="0">
+            <a:schemeClr val="accent1"/>
+          </a:effectRef>
+          <a:fontRef idx="minor">
+            <a:schemeClr val="tx1"/>
+          </a:fontRef>
+        </p:style>
+      </p:cxnSp>
+      <p:cxnSp>
+        <p:nvCxnSpPr>
+          <p:cNvPr id="84" name="Elbow Connector 83"/>
+          <p:cNvCxnSpPr>
+            <a:stCxn id="68" idx="3"/>
+          </p:cNvCxnSpPr>
+          <p:nvPr/>
+        </p:nvCxnSpPr>
+        <p:spPr>
+          <a:xfrm flipH="1" flipV="1">
+            <a:off x="4968045" y="1323781"/>
+            <a:ext cx="900099" cy="2588645"/>
+          </a:xfrm>
+          <a:prstGeom prst="bentConnector4">
+            <a:avLst>
+              <a:gd name="adj1" fmla="val -25397"/>
+              <a:gd name="adj2" fmla="val 99972"/>
+            </a:avLst>
+          </a:prstGeom>
+          <a:ln>
+            <a:tailEnd type="arrow"/>
+          </a:ln>
+        </p:spPr>
+        <p:style>
+          <a:lnRef idx="1">
+            <a:schemeClr val="accent1"/>
+          </a:lnRef>
+          <a:fillRef idx="0">
+            <a:schemeClr val="accent1"/>
+          </a:fillRef>
+          <a:effectRef idx="0">
+            <a:schemeClr val="accent1"/>
+          </a:effectRef>
+          <a:fontRef idx="minor">
+            <a:schemeClr val="tx1"/>
+          </a:fontRef>
+        </p:style>
+      </p:cxnSp>
+      <p:cxnSp>
+        <p:nvCxnSpPr>
+          <p:cNvPr id="91" name="Straight Arrow Connector 90"/>
+          <p:cNvCxnSpPr>
+            <a:stCxn id="68" idx="2"/>
+          </p:cNvCxnSpPr>
+          <p:nvPr/>
+        </p:nvCxnSpPr>
+        <p:spPr>
+          <a:xfrm>
+            <a:off x="4968045" y="4323843"/>
+            <a:ext cx="0" cy="257285"/>
+          </a:xfrm>
+          <a:prstGeom prst="straightConnector1">
+            <a:avLst/>
+          </a:prstGeom>
+          <a:ln>
+            <a:tailEnd type="arrow"/>
+          </a:ln>
+        </p:spPr>
+        <p:style>
+          <a:lnRef idx="1">
+            <a:schemeClr val="accent1"/>
+          </a:lnRef>
+          <a:fillRef idx="0">
+            <a:schemeClr val="accent1"/>
+          </a:fillRef>
+          <a:effectRef idx="0">
+            <a:schemeClr val="accent1"/>
+          </a:effectRef>
+          <a:fontRef idx="minor">
+            <a:schemeClr val="tx1"/>
+          </a:fontRef>
+        </p:style>
+      </p:cxnSp>
+      <p:sp>
+        <p:nvSpPr>
+          <p:cNvPr id="93" name="TextBox 92"/>
           <p:cNvSpPr txBox="1"/>
           <p:nvPr/>
         </p:nvSpPr>
         <p:spPr>
           <a:xfrm>
-            <a:off x="4239257" y="2567572"/>
-            <a:ext cx="349776" cy="261610"/>
+            <a:off x="971600" y="2330413"/>
+            <a:ext cx="365806" cy="276999"/>
           </a:xfrm>
           <a:prstGeom prst="rect">
             <a:avLst/>
@@ -3754,10 +3654,244 @@
           <a:lstStyle/>
           <a:p>
             <a:r>
-              <a:rPr lang="da-DK" sz="1100" dirty="0" smtClean="0"/>
+              <a:rPr lang="da-DK" sz="1200" dirty="0" smtClean="0"/>
               <a:t>No</a:t>
             </a:r>
-            <a:endParaRPr lang="da-DK" sz="1100" dirty="0"/>
+            <a:endParaRPr lang="da-DK" dirty="0"/>
+          </a:p>
+        </p:txBody>
+      </p:sp>
+      <p:sp>
+        <p:nvSpPr>
+          <p:cNvPr id="94" name="TextBox 93"/>
+          <p:cNvSpPr txBox="1"/>
+          <p:nvPr/>
+        </p:nvSpPr>
+        <p:spPr>
+          <a:xfrm>
+            <a:off x="5796136" y="3635426"/>
+            <a:ext cx="365806" cy="276999"/>
+          </a:xfrm>
+          <a:prstGeom prst="rect">
+            <a:avLst/>
+          </a:prstGeom>
+          <a:noFill/>
+        </p:spPr>
+        <p:txBody>
+          <a:bodyPr wrap="none" rtlCol="0">
+            <a:spAutoFit/>
+          </a:bodyPr>
+          <a:lstStyle/>
+          <a:p>
+            <a:r>
+              <a:rPr lang="da-DK" sz="1200" dirty="0" smtClean="0"/>
+              <a:t>No</a:t>
+            </a:r>
+            <a:endParaRPr lang="da-DK" dirty="0"/>
+          </a:p>
+        </p:txBody>
+      </p:sp>
+      <p:sp>
+        <p:nvSpPr>
+          <p:cNvPr id="95" name="TextBox 94"/>
+          <p:cNvSpPr txBox="1"/>
+          <p:nvPr/>
+        </p:nvSpPr>
+        <p:spPr>
+          <a:xfrm>
+            <a:off x="4968044" y="1336846"/>
+            <a:ext cx="365806" cy="276999"/>
+          </a:xfrm>
+          <a:prstGeom prst="rect">
+            <a:avLst/>
+          </a:prstGeom>
+          <a:noFill/>
+        </p:spPr>
+        <p:txBody>
+          <a:bodyPr wrap="none" rtlCol="0">
+            <a:spAutoFit/>
+          </a:bodyPr>
+          <a:lstStyle/>
+          <a:p>
+            <a:r>
+              <a:rPr lang="da-DK" sz="1200" dirty="0" smtClean="0"/>
+              <a:t>No</a:t>
+            </a:r>
+            <a:endParaRPr lang="da-DK" dirty="0"/>
+          </a:p>
+        </p:txBody>
+      </p:sp>
+      <p:sp>
+        <p:nvSpPr>
+          <p:cNvPr id="96" name="TextBox 95"/>
+          <p:cNvSpPr txBox="1"/>
+          <p:nvPr/>
+        </p:nvSpPr>
+        <p:spPr>
+          <a:xfrm>
+            <a:off x="2086049" y="1948018"/>
+            <a:ext cx="386837" cy="276999"/>
+          </a:xfrm>
+          <a:prstGeom prst="rect">
+            <a:avLst/>
+          </a:prstGeom>
+          <a:noFill/>
+        </p:spPr>
+        <p:txBody>
+          <a:bodyPr wrap="none" rtlCol="0">
+            <a:spAutoFit/>
+          </a:bodyPr>
+          <a:lstStyle/>
+          <a:p>
+            <a:r>
+              <a:rPr lang="da-DK" sz="1200" dirty="0" smtClean="0"/>
+              <a:t>Yes</a:t>
+            </a:r>
+            <a:endParaRPr lang="da-DK" dirty="0"/>
+          </a:p>
+        </p:txBody>
+      </p:sp>
+      <p:sp>
+        <p:nvSpPr>
+          <p:cNvPr id="98" name="TextBox 97"/>
+          <p:cNvSpPr txBox="1"/>
+          <p:nvPr/>
+        </p:nvSpPr>
+        <p:spPr>
+          <a:xfrm>
+            <a:off x="4990900" y="4299522"/>
+            <a:ext cx="386837" cy="276999"/>
+          </a:xfrm>
+          <a:prstGeom prst="rect">
+            <a:avLst/>
+          </a:prstGeom>
+          <a:noFill/>
+        </p:spPr>
+        <p:txBody>
+          <a:bodyPr wrap="none" rtlCol="0">
+            <a:spAutoFit/>
+          </a:bodyPr>
+          <a:lstStyle/>
+          <a:p>
+            <a:r>
+              <a:rPr lang="da-DK" sz="1200" dirty="0" smtClean="0"/>
+              <a:t>Yes</a:t>
+            </a:r>
+            <a:endParaRPr lang="da-DK" dirty="0"/>
+          </a:p>
+        </p:txBody>
+      </p:sp>
+      <p:sp>
+        <p:nvSpPr>
+          <p:cNvPr id="99" name="TextBox 98"/>
+          <p:cNvSpPr txBox="1"/>
+          <p:nvPr/>
+        </p:nvSpPr>
+        <p:spPr>
+          <a:xfrm>
+            <a:off x="4957528" y="2327200"/>
+            <a:ext cx="386837" cy="276999"/>
+          </a:xfrm>
+          <a:prstGeom prst="rect">
+            <a:avLst/>
+          </a:prstGeom>
+          <a:noFill/>
+        </p:spPr>
+        <p:txBody>
+          <a:bodyPr wrap="none" rtlCol="0">
+            <a:spAutoFit/>
+          </a:bodyPr>
+          <a:lstStyle/>
+          <a:p>
+            <a:r>
+              <a:rPr lang="da-DK" sz="1200" dirty="0" smtClean="0"/>
+              <a:t>Yes</a:t>
+            </a:r>
+            <a:endParaRPr lang="da-DK" dirty="0"/>
+          </a:p>
+        </p:txBody>
+      </p:sp>
+      <p:sp>
+        <p:nvSpPr>
+          <p:cNvPr id="100" name="Flowchart: Alternate Process 99"/>
+          <p:cNvSpPr/>
+          <p:nvPr/>
+        </p:nvSpPr>
+        <p:spPr>
+          <a:xfrm>
+            <a:off x="776246" y="506597"/>
+            <a:ext cx="914400" cy="612648"/>
+          </a:xfrm>
+          <a:prstGeom prst="flowChartAlternateProcess">
+            <a:avLst/>
+          </a:prstGeom>
+        </p:spPr>
+        <p:style>
+          <a:lnRef idx="2">
+            <a:schemeClr val="accent1"/>
+          </a:lnRef>
+          <a:fillRef idx="1">
+            <a:schemeClr val="lt1"/>
+          </a:fillRef>
+          <a:effectRef idx="0">
+            <a:schemeClr val="accent1"/>
+          </a:effectRef>
+          <a:fontRef idx="minor">
+            <a:schemeClr val="dk1"/>
+          </a:fontRef>
+        </p:style>
+        <p:txBody>
+          <a:bodyPr rtlCol="0" anchor="ctr"/>
+          <a:lstStyle/>
+          <a:p>
+            <a:pPr algn="ctr"/>
+            <a:r>
+              <a:rPr lang="da-DK" sz="1200" dirty="0" smtClean="0"/>
+              <a:t>Game start</a:t>
+            </a:r>
+            <a:endParaRPr lang="da-DK" sz="1200" dirty="0"/>
+          </a:p>
+        </p:txBody>
+      </p:sp>
+      <p:sp>
+        <p:nvSpPr>
+          <p:cNvPr id="101" name="Flowchart: Alternate Process 100"/>
+          <p:cNvSpPr/>
+          <p:nvPr/>
+        </p:nvSpPr>
+        <p:spPr>
+          <a:xfrm>
+            <a:off x="4505017" y="4581128"/>
+            <a:ext cx="914400" cy="612648"/>
+          </a:xfrm>
+          <a:prstGeom prst="flowChartAlternateProcess">
+            <a:avLst/>
+          </a:prstGeom>
+        </p:spPr>
+        <p:style>
+          <a:lnRef idx="2">
+            <a:schemeClr val="accent1"/>
+          </a:lnRef>
+          <a:fillRef idx="1">
+            <a:schemeClr val="lt1"/>
+          </a:fillRef>
+          <a:effectRef idx="0">
+            <a:schemeClr val="accent1"/>
+          </a:effectRef>
+          <a:fontRef idx="minor">
+            <a:schemeClr val="dk1"/>
+          </a:fontRef>
+        </p:style>
+        <p:txBody>
+          <a:bodyPr rtlCol="0" anchor="ctr"/>
+          <a:lstStyle/>
+          <a:p>
+            <a:pPr algn="ctr"/>
+            <a:r>
+              <a:rPr lang="da-DK" sz="1200" dirty="0" smtClean="0"/>
+              <a:t>Save recording</a:t>
+            </a:r>
+            <a:endParaRPr lang="da-DK" sz="1200" dirty="0"/>
           </a:p>
         </p:txBody>
       </p:sp>
